--- a/Weekly Presentation/Capstone Design 2nd Presentation.pptx
+++ b/Weekly Presentation/Capstone Design 2nd Presentation.pptx
@@ -5238,7 +5238,15 @@
             </a:r>
             <a:r>
               <a:rPr lang="en-US" altLang="ko-KR" sz="3000" dirty="0"/>
-              <a:t>such as layers,               paints, brushes, trims, resizing, spades, text, erasers, etc.</a:t>
+              <a:t>such as layers,               paints, brushes, trims, resizing, </a:t>
+            </a:r>
+            <a:r>
+              <a:rPr lang="en-US" altLang="ko-KR" sz="3000" dirty="0" err="1"/>
+              <a:t>spoid</a:t>
+            </a:r>
+            <a:r>
+              <a:rPr lang="en-US" altLang="ko-KR" sz="3000" dirty="0"/>
+              <a:t>, text, erasers, etc.</a:t>
             </a:r>
             <a:endParaRPr lang="en-US" altLang="ko-KR" sz="3000" dirty="0">
               <a:solidFill>

--- a/Weekly Presentation/Capstone Design 2nd Presentation.pptx
+++ b/Weekly Presentation/Capstone Design 2nd Presentation.pptx
@@ -7814,9 +7814,9 @@
         <p:grpSpPr>
           <a:xfrm>
             <a:off x="1188881" y="351819"/>
-            <a:ext cx="2351926" cy="660429"/>
+            <a:ext cx="2335896" cy="660429"/>
             <a:chOff x="1188881" y="351819"/>
-            <a:chExt cx="2351926" cy="660429"/>
+            <a:chExt cx="2335896" cy="660429"/>
           </a:xfrm>
         </p:grpSpPr>
         <p:sp>
@@ -7858,7 +7858,7 @@
           <p:spPr>
             <a:xfrm>
               <a:off x="1188881" y="581361"/>
-              <a:ext cx="2351926" cy="430887"/>
+              <a:ext cx="2335896" cy="430887"/>
             </a:xfrm>
             <a:prstGeom prst="rect">
               <a:avLst/>
@@ -7873,7 +7873,7 @@
             <a:p>
               <a:r>
                 <a:rPr lang="en-US" altLang="ko-KR" sz="2200" dirty="0"/>
-                <a:t>Marker Research</a:t>
+                <a:t>Market Research</a:t>
               </a:r>
               <a:endParaRPr lang="ko-KR" altLang="en-US" sz="2200" dirty="0"/>
             </a:p>

--- a/Weekly Presentation/Capstone Design 2nd Presentation.pptx
+++ b/Weekly Presentation/Capstone Design 2nd Presentation.pptx
@@ -6715,7 +6715,7 @@
             <a:pPr algn="ctr"/>
             <a:r>
               <a:rPr lang="en-US" altLang="ko-KR" sz="1500" dirty="0"/>
-              <a:t>Implementing a Running Model</a:t>
+              <a:t>Implementing a Learning Model</a:t>
             </a:r>
           </a:p>
           <a:p>
@@ -6781,7 +6781,7 @@
             <a:pPr algn="ctr"/>
             <a:r>
               <a:rPr lang="en-US" altLang="ko-KR" sz="1500" dirty="0"/>
-              <a:t>Implementing a Running Model</a:t>
+              <a:t>Implementing a Learning Model</a:t>
             </a:r>
           </a:p>
           <a:p>
@@ -6847,7 +6847,7 @@
             <a:pPr algn="ctr"/>
             <a:r>
               <a:rPr lang="en-US" altLang="ko-KR" sz="1500" dirty="0"/>
-              <a:t>Leaning data to model</a:t>
+              <a:t>Learning data to model</a:t>
             </a:r>
           </a:p>
           <a:p>
@@ -6862,14 +6862,14 @@
             <a:r>
               <a:rPr lang="en-US" altLang="ko-KR" sz="1500" dirty="0">
                 <a:solidFill>
-                  <a:schemeClr val="tx2"/>
+                  <a:srgbClr val="525252"/>
                 </a:solidFill>
               </a:rPr>
               <a:t>Test</a:t>
             </a:r>
             <a:endParaRPr lang="ko-KR" altLang="en-US" sz="1500" dirty="0">
               <a:solidFill>
-                <a:schemeClr val="tx2"/>
+                <a:srgbClr val="525252"/>
               </a:solidFill>
             </a:endParaRPr>
           </a:p>

--- a/Weekly Presentation/Capstone Design 2nd Presentation.pptx
+++ b/Weekly Presentation/Capstone Design 2nd Presentation.pptx
@@ -303,7 +303,7 @@
           <a:p>
             <a:fld id="{22DC2647-C259-4EB5-84B8-93A3F8E54DE7}" type="datetimeFigureOut">
               <a:rPr lang="ko-KR" altLang="en-US" smtClean="0"/>
-              <a:t>2019-03-10</a:t>
+              <a:t>2019-03-17</a:t>
             </a:fld>
             <a:endParaRPr lang="ko-KR" altLang="en-US"/>
           </a:p>
@@ -402,7 +402,7 @@
           <a:p>
             <a:fld id="{B440BA11-FEDB-4E64-B4BE-9FDEE8123FE3}" type="datetimeFigureOut">
               <a:rPr lang="ko-KR" altLang="en-US" smtClean="0"/>
-              <a:t>2019-03-10</a:t>
+              <a:t>2019-03-17</a:t>
             </a:fld>
             <a:endParaRPr lang="ko-KR" altLang="en-US"/>
           </a:p>
@@ -800,7 +800,7 @@
           <a:p>
             <a:fld id="{8771C398-EBCC-4210-8AFD-1D056CED0821}" type="datetimeFigureOut">
               <a:rPr lang="ko-KR" altLang="en-US" smtClean="0"/>
-              <a:t>2019-03-10</a:t>
+              <a:t>2019-03-17</a:t>
             </a:fld>
             <a:endParaRPr lang="ko-KR" altLang="en-US"/>
           </a:p>
@@ -970,7 +970,7 @@
           <a:p>
             <a:fld id="{8771C398-EBCC-4210-8AFD-1D056CED0821}" type="datetimeFigureOut">
               <a:rPr lang="ko-KR" altLang="en-US" smtClean="0"/>
-              <a:t>2019-03-10</a:t>
+              <a:t>2019-03-17</a:t>
             </a:fld>
             <a:endParaRPr lang="ko-KR" altLang="en-US"/>
           </a:p>
@@ -1150,7 +1150,7 @@
           <a:p>
             <a:fld id="{8771C398-EBCC-4210-8AFD-1D056CED0821}" type="datetimeFigureOut">
               <a:rPr lang="ko-KR" altLang="en-US" smtClean="0"/>
-              <a:t>2019-03-10</a:t>
+              <a:t>2019-03-17</a:t>
             </a:fld>
             <a:endParaRPr lang="ko-KR" altLang="en-US"/>
           </a:p>
@@ -1320,7 +1320,7 @@
           <a:p>
             <a:fld id="{8771C398-EBCC-4210-8AFD-1D056CED0821}" type="datetimeFigureOut">
               <a:rPr lang="ko-KR" altLang="en-US" smtClean="0"/>
-              <a:t>2019-03-10</a:t>
+              <a:t>2019-03-17</a:t>
             </a:fld>
             <a:endParaRPr lang="ko-KR" altLang="en-US"/>
           </a:p>
@@ -1566,7 +1566,7 @@
           <a:p>
             <a:fld id="{8771C398-EBCC-4210-8AFD-1D056CED0821}" type="datetimeFigureOut">
               <a:rPr lang="ko-KR" altLang="en-US" smtClean="0"/>
-              <a:t>2019-03-10</a:t>
+              <a:t>2019-03-17</a:t>
             </a:fld>
             <a:endParaRPr lang="ko-KR" altLang="en-US"/>
           </a:p>
@@ -1798,7 +1798,7 @@
           <a:p>
             <a:fld id="{8771C398-EBCC-4210-8AFD-1D056CED0821}" type="datetimeFigureOut">
               <a:rPr lang="ko-KR" altLang="en-US" smtClean="0"/>
-              <a:t>2019-03-10</a:t>
+              <a:t>2019-03-17</a:t>
             </a:fld>
             <a:endParaRPr lang="ko-KR" altLang="en-US"/>
           </a:p>
@@ -2165,7 +2165,7 @@
           <a:p>
             <a:fld id="{8771C398-EBCC-4210-8AFD-1D056CED0821}" type="datetimeFigureOut">
               <a:rPr lang="ko-KR" altLang="en-US" smtClean="0"/>
-              <a:t>2019-03-10</a:t>
+              <a:t>2019-03-17</a:t>
             </a:fld>
             <a:endParaRPr lang="ko-KR" altLang="en-US"/>
           </a:p>
@@ -2283,7 +2283,7 @@
           <a:p>
             <a:fld id="{8771C398-EBCC-4210-8AFD-1D056CED0821}" type="datetimeFigureOut">
               <a:rPr lang="ko-KR" altLang="en-US" smtClean="0"/>
-              <a:t>2019-03-10</a:t>
+              <a:t>2019-03-17</a:t>
             </a:fld>
             <a:endParaRPr lang="ko-KR" altLang="en-US"/>
           </a:p>
@@ -2378,7 +2378,7 @@
           <a:p>
             <a:fld id="{8771C398-EBCC-4210-8AFD-1D056CED0821}" type="datetimeFigureOut">
               <a:rPr lang="ko-KR" altLang="en-US" smtClean="0"/>
-              <a:t>2019-03-10</a:t>
+              <a:t>2019-03-17</a:t>
             </a:fld>
             <a:endParaRPr lang="ko-KR" altLang="en-US"/>
           </a:p>
@@ -2655,7 +2655,7 @@
           <a:p>
             <a:fld id="{8771C398-EBCC-4210-8AFD-1D056CED0821}" type="datetimeFigureOut">
               <a:rPr lang="ko-KR" altLang="en-US" smtClean="0"/>
-              <a:t>2019-03-10</a:t>
+              <a:t>2019-03-17</a:t>
             </a:fld>
             <a:endParaRPr lang="ko-KR" altLang="en-US"/>
           </a:p>
@@ -2912,7 +2912,7 @@
           <a:p>
             <a:fld id="{8771C398-EBCC-4210-8AFD-1D056CED0821}" type="datetimeFigureOut">
               <a:rPr lang="ko-KR" altLang="en-US" smtClean="0"/>
-              <a:t>2019-03-10</a:t>
+              <a:t>2019-03-17</a:t>
             </a:fld>
             <a:endParaRPr lang="ko-KR" altLang="en-US"/>
           </a:p>
@@ -3128,7 +3128,7 @@
           <a:p>
             <a:fld id="{8771C398-EBCC-4210-8AFD-1D056CED0821}" type="datetimeFigureOut">
               <a:rPr lang="ko-KR" altLang="en-US" smtClean="0"/>
-              <a:t>2019-03-10</a:t>
+              <a:t>2019-03-17</a:t>
             </a:fld>
             <a:endParaRPr lang="ko-KR" altLang="en-US"/>
           </a:p>
@@ -6708,7 +6708,7 @@
             <a:pPr algn="ctr"/>
             <a:r>
               <a:rPr lang="en-US" altLang="ko-KR" sz="1500" dirty="0"/>
-              <a:t>Collect Running Datasets</a:t>
+              <a:t>Collect Learning Datasets</a:t>
             </a:r>
           </a:p>
           <a:p>
@@ -6774,7 +6774,7 @@
             <a:pPr algn="ctr"/>
             <a:r>
               <a:rPr lang="en-US" altLang="ko-KR" sz="1500" dirty="0"/>
-              <a:t>Collecting Running Datasets</a:t>
+              <a:t>Collecting Learning Datasets</a:t>
             </a:r>
           </a:p>
           <a:p>
@@ -6839,8 +6839,12 @@
           <a:p>
             <a:pPr algn="ctr"/>
             <a:r>
+              <a:rPr lang="en-US" altLang="ko-KR" sz="1500"/>
+              <a:t>Collecting Learning </a:t>
+            </a:r>
+            <a:r>
               <a:rPr lang="en-US" altLang="ko-KR" sz="1500" dirty="0"/>
-              <a:t>Collecting Running Datasets</a:t>
+              <a:t>Datasets</a:t>
             </a:r>
           </a:p>
           <a:p>
